--- a/Processo/CRISP-DM/Diagramas/CRISP-DM-Avaliacao.pptx
+++ b/Processo/CRISP-DM/Diagramas/CRISP-DM-Avaliacao.pptx
@@ -243,7 +243,7 @@
           <a:p>
             <a:fld id="{4B5AB9DF-E27C-4717-9D6D-F36EBF3560FD}" type="datetimeFigureOut">
               <a:rPr lang="pt-BR" smtClean="0"/>
-              <a:t>18/08/2015</a:t>
+              <a:t>21/09/2015</a:t>
             </a:fld>
             <a:endParaRPr lang="pt-BR"/>
           </a:p>
@@ -413,7 +413,7 @@
           <a:p>
             <a:fld id="{4B5AB9DF-E27C-4717-9D6D-F36EBF3560FD}" type="datetimeFigureOut">
               <a:rPr lang="pt-BR" smtClean="0"/>
-              <a:t>18/08/2015</a:t>
+              <a:t>21/09/2015</a:t>
             </a:fld>
             <a:endParaRPr lang="pt-BR"/>
           </a:p>
@@ -593,7 +593,7 @@
           <a:p>
             <a:fld id="{4B5AB9DF-E27C-4717-9D6D-F36EBF3560FD}" type="datetimeFigureOut">
               <a:rPr lang="pt-BR" smtClean="0"/>
-              <a:t>18/08/2015</a:t>
+              <a:t>21/09/2015</a:t>
             </a:fld>
             <a:endParaRPr lang="pt-BR"/>
           </a:p>
@@ -763,7 +763,7 @@
           <a:p>
             <a:fld id="{4B5AB9DF-E27C-4717-9D6D-F36EBF3560FD}" type="datetimeFigureOut">
               <a:rPr lang="pt-BR" smtClean="0"/>
-              <a:t>18/08/2015</a:t>
+              <a:t>21/09/2015</a:t>
             </a:fld>
             <a:endParaRPr lang="pt-BR"/>
           </a:p>
@@ -1009,7 +1009,7 @@
           <a:p>
             <a:fld id="{4B5AB9DF-E27C-4717-9D6D-F36EBF3560FD}" type="datetimeFigureOut">
               <a:rPr lang="pt-BR" smtClean="0"/>
-              <a:t>18/08/2015</a:t>
+              <a:t>21/09/2015</a:t>
             </a:fld>
             <a:endParaRPr lang="pt-BR"/>
           </a:p>
@@ -1241,7 +1241,7 @@
           <a:p>
             <a:fld id="{4B5AB9DF-E27C-4717-9D6D-F36EBF3560FD}" type="datetimeFigureOut">
               <a:rPr lang="pt-BR" smtClean="0"/>
-              <a:t>18/08/2015</a:t>
+              <a:t>21/09/2015</a:t>
             </a:fld>
             <a:endParaRPr lang="pt-BR"/>
           </a:p>
@@ -1608,7 +1608,7 @@
           <a:p>
             <a:fld id="{4B5AB9DF-E27C-4717-9D6D-F36EBF3560FD}" type="datetimeFigureOut">
               <a:rPr lang="pt-BR" smtClean="0"/>
-              <a:t>18/08/2015</a:t>
+              <a:t>21/09/2015</a:t>
             </a:fld>
             <a:endParaRPr lang="pt-BR"/>
           </a:p>
@@ -1726,7 +1726,7 @@
           <a:p>
             <a:fld id="{4B5AB9DF-E27C-4717-9D6D-F36EBF3560FD}" type="datetimeFigureOut">
               <a:rPr lang="pt-BR" smtClean="0"/>
-              <a:t>18/08/2015</a:t>
+              <a:t>21/09/2015</a:t>
             </a:fld>
             <a:endParaRPr lang="pt-BR"/>
           </a:p>
@@ -1821,7 +1821,7 @@
           <a:p>
             <a:fld id="{4B5AB9DF-E27C-4717-9D6D-F36EBF3560FD}" type="datetimeFigureOut">
               <a:rPr lang="pt-BR" smtClean="0"/>
-              <a:t>18/08/2015</a:t>
+              <a:t>21/09/2015</a:t>
             </a:fld>
             <a:endParaRPr lang="pt-BR"/>
           </a:p>
@@ -2098,7 +2098,7 @@
           <a:p>
             <a:fld id="{4B5AB9DF-E27C-4717-9D6D-F36EBF3560FD}" type="datetimeFigureOut">
               <a:rPr lang="pt-BR" smtClean="0"/>
-              <a:t>18/08/2015</a:t>
+              <a:t>21/09/2015</a:t>
             </a:fld>
             <a:endParaRPr lang="pt-BR"/>
           </a:p>
@@ -2351,7 +2351,7 @@
           <a:p>
             <a:fld id="{4B5AB9DF-E27C-4717-9D6D-F36EBF3560FD}" type="datetimeFigureOut">
               <a:rPr lang="pt-BR" smtClean="0"/>
-              <a:t>18/08/2015</a:t>
+              <a:t>21/09/2015</a:t>
             </a:fld>
             <a:endParaRPr lang="pt-BR"/>
           </a:p>
@@ -2564,7 +2564,7 @@
           <a:p>
             <a:fld id="{4B5AB9DF-E27C-4717-9D6D-F36EBF3560FD}" type="datetimeFigureOut">
               <a:rPr lang="pt-BR" smtClean="0"/>
-              <a:t>18/08/2015</a:t>
+              <a:t>21/09/2015</a:t>
             </a:fld>
             <a:endParaRPr lang="pt-BR"/>
           </a:p>
@@ -3551,7 +3551,260 @@
                   </a:outerShdw>
                 </a:effectLst>
               </a:rPr>
-              <a:t>Determinar </a:t>
+              <a:t>Determinar os próximos passos</a:t>
+            </a:r>
+            <a:endParaRPr lang="pt-BR" sz="800" dirty="0">
+              <a:ln w="0"/>
+              <a:solidFill>
+                <a:schemeClr val="tx1"/>
+              </a:solidFill>
+              <a:effectLst>
+                <a:outerShdw blurRad="38100" dist="19050" dir="2700000" algn="tl" rotWithShape="0">
+                  <a:schemeClr val="dk1">
+                    <a:alpha val="40000"/>
+                  </a:schemeClr>
+                </a:outerShdw>
+              </a:effectLst>
+            </a:endParaRPr>
+          </a:p>
+        </p:txBody>
+      </p:sp>
+      <p:cxnSp>
+        <p:nvCxnSpPr>
+          <p:cNvPr id="22" name="Conector reto 21"/>
+          <p:cNvCxnSpPr>
+            <a:stCxn id="11" idx="2"/>
+            <a:endCxn id="15" idx="0"/>
+          </p:cNvCxnSpPr>
+          <p:nvPr/>
+        </p:nvCxnSpPr>
+        <p:spPr>
+          <a:xfrm rot="5400000">
+            <a:off x="3450941" y="-201953"/>
+            <a:ext cx="326880" cy="4086221"/>
+          </a:xfrm>
+          <a:prstGeom prst="bentConnector3">
+            <a:avLst>
+              <a:gd name="adj1" fmla="val 50000"/>
+            </a:avLst>
+          </a:prstGeom>
+        </p:spPr>
+        <p:style>
+          <a:lnRef idx="1">
+            <a:schemeClr val="accent1"/>
+          </a:lnRef>
+          <a:fillRef idx="0">
+            <a:schemeClr val="accent1"/>
+          </a:fillRef>
+          <a:effectRef idx="0">
+            <a:schemeClr val="accent1"/>
+          </a:effectRef>
+          <a:fontRef idx="minor">
+            <a:schemeClr val="tx1"/>
+          </a:fontRef>
+        </p:style>
+      </p:cxnSp>
+      <p:cxnSp>
+        <p:nvCxnSpPr>
+          <p:cNvPr id="28" name="Conector reto 27"/>
+          <p:cNvCxnSpPr/>
+          <p:nvPr/>
+        </p:nvCxnSpPr>
+        <p:spPr>
+          <a:xfrm flipH="1">
+            <a:off x="1509098" y="2617245"/>
+            <a:ext cx="4313" cy="315840"/>
+          </a:xfrm>
+          <a:prstGeom prst="line">
+            <a:avLst/>
+          </a:prstGeom>
+        </p:spPr>
+        <p:style>
+          <a:lnRef idx="1">
+            <a:schemeClr val="accent1"/>
+          </a:lnRef>
+          <a:fillRef idx="0">
+            <a:schemeClr val="accent1"/>
+          </a:fillRef>
+          <a:effectRef idx="0">
+            <a:schemeClr val="accent1"/>
+          </a:effectRef>
+          <a:fontRef idx="minor">
+            <a:schemeClr val="tx1"/>
+          </a:fontRef>
+        </p:style>
+      </p:cxnSp>
+      <p:cxnSp>
+        <p:nvCxnSpPr>
+          <p:cNvPr id="29" name="Conector reto 28"/>
+          <p:cNvCxnSpPr/>
+          <p:nvPr/>
+        </p:nvCxnSpPr>
+        <p:spPr>
+          <a:xfrm flipH="1">
+            <a:off x="1515568" y="3555372"/>
+            <a:ext cx="4313" cy="315840"/>
+          </a:xfrm>
+          <a:prstGeom prst="line">
+            <a:avLst/>
+          </a:prstGeom>
+        </p:spPr>
+        <p:style>
+          <a:lnRef idx="1">
+            <a:schemeClr val="accent1"/>
+          </a:lnRef>
+          <a:fillRef idx="0">
+            <a:schemeClr val="accent1"/>
+          </a:fillRef>
+          <a:effectRef idx="0">
+            <a:schemeClr val="accent1"/>
+          </a:effectRef>
+          <a:fontRef idx="minor">
+            <a:schemeClr val="tx1"/>
+          </a:fontRef>
+        </p:style>
+      </p:cxnSp>
+      <p:cxnSp>
+        <p:nvCxnSpPr>
+          <p:cNvPr id="32" name="Conector em curva 31"/>
+          <p:cNvCxnSpPr/>
+          <p:nvPr/>
+        </p:nvCxnSpPr>
+        <p:spPr>
+          <a:xfrm>
+            <a:off x="2084172" y="2309624"/>
+            <a:ext cx="280086" cy="277699"/>
+          </a:xfrm>
+          <a:prstGeom prst="curvedConnector3">
+            <a:avLst/>
+          </a:prstGeom>
+        </p:spPr>
+        <p:style>
+          <a:lnRef idx="1">
+            <a:schemeClr val="accent1"/>
+          </a:lnRef>
+          <a:fillRef idx="0">
+            <a:schemeClr val="accent1"/>
+          </a:fillRef>
+          <a:effectRef idx="0">
+            <a:schemeClr val="accent1"/>
+          </a:effectRef>
+          <a:fontRef idx="minor">
+            <a:schemeClr val="tx1"/>
+          </a:fontRef>
+        </p:style>
+      </p:cxnSp>
+      <p:cxnSp>
+        <p:nvCxnSpPr>
+          <p:cNvPr id="34" name="Conector em curva 33"/>
+          <p:cNvCxnSpPr/>
+          <p:nvPr/>
+        </p:nvCxnSpPr>
+        <p:spPr>
+          <a:xfrm>
+            <a:off x="2075547" y="3217829"/>
+            <a:ext cx="280086" cy="277699"/>
+          </a:xfrm>
+          <a:prstGeom prst="curvedConnector3">
+            <a:avLst/>
+          </a:prstGeom>
+        </p:spPr>
+        <p:style>
+          <a:lnRef idx="1">
+            <a:schemeClr val="accent1"/>
+          </a:lnRef>
+          <a:fillRef idx="0">
+            <a:schemeClr val="accent1"/>
+          </a:fillRef>
+          <a:effectRef idx="0">
+            <a:schemeClr val="accent1"/>
+          </a:effectRef>
+          <a:fontRef idx="minor">
+            <a:schemeClr val="tx1"/>
+          </a:fontRef>
+        </p:style>
+      </p:cxnSp>
+      <p:cxnSp>
+        <p:nvCxnSpPr>
+          <p:cNvPr id="35" name="Conector em curva 34"/>
+          <p:cNvCxnSpPr/>
+          <p:nvPr/>
+        </p:nvCxnSpPr>
+        <p:spPr>
+          <a:xfrm>
+            <a:off x="2084172" y="4126034"/>
+            <a:ext cx="280086" cy="277699"/>
+          </a:xfrm>
+          <a:prstGeom prst="curvedConnector3">
+            <a:avLst/>
+          </a:prstGeom>
+        </p:spPr>
+        <p:style>
+          <a:lnRef idx="1">
+            <a:schemeClr val="accent1"/>
+          </a:lnRef>
+          <a:fillRef idx="0">
+            <a:schemeClr val="accent1"/>
+          </a:fillRef>
+          <a:effectRef idx="0">
+            <a:schemeClr val="accent1"/>
+          </a:effectRef>
+          <a:fontRef idx="minor">
+            <a:schemeClr val="tx1"/>
+          </a:fontRef>
+        </p:style>
+      </p:cxnSp>
+      <p:sp>
+        <p:nvSpPr>
+          <p:cNvPr id="37" name="Fluxograma: Documento 36"/>
+          <p:cNvSpPr/>
+          <p:nvPr/>
+        </p:nvSpPr>
+        <p:spPr>
+          <a:xfrm>
+            <a:off x="2370435" y="2305654"/>
+            <a:ext cx="914400" cy="612648"/>
+          </a:xfrm>
+          <a:prstGeom prst="flowChartDocument">
+            <a:avLst/>
+          </a:prstGeom>
+        </p:spPr>
+        <p:style>
+          <a:lnRef idx="2">
+            <a:schemeClr val="accent1">
+              <a:shade val="50000"/>
+            </a:schemeClr>
+          </a:lnRef>
+          <a:fillRef idx="1">
+            <a:schemeClr val="accent1"/>
+          </a:fillRef>
+          <a:effectRef idx="0">
+            <a:schemeClr val="accent1"/>
+          </a:effectRef>
+          <a:fontRef idx="minor">
+            <a:schemeClr val="lt1"/>
+          </a:fontRef>
+        </p:style>
+        <p:txBody>
+          <a:bodyPr rtlCol="0" anchor="ctr"/>
+          <a:lstStyle/>
+          <a:p>
+            <a:pPr algn="ctr"/>
+            <a:r>
+              <a:rPr lang="pt-BR" sz="800" dirty="0">
+                <a:ln w="0"/>
+                <a:solidFill>
+                  <a:schemeClr val="tx1"/>
+                </a:solidFill>
+                <a:effectLst>
+                  <a:outerShdw blurRad="38100" dist="19050" dir="2700000" algn="tl" rotWithShape="0">
+                    <a:schemeClr val="dk1">
+                      <a:alpha val="40000"/>
+                    </a:schemeClr>
+                  </a:outerShdw>
+                </a:effectLst>
+              </a:rPr>
+              <a:t>Avaliação dos resultados, sob a perspectiva </a:t>
             </a:r>
             <a:r>
               <a:rPr lang="pt-BR" sz="800" dirty="0" smtClean="0">
@@ -3567,260 +3820,7 @@
                   </a:outerShdw>
                 </a:effectLst>
               </a:rPr>
-              <a:t>os próximos passos</a:t>
-            </a:r>
-            <a:endParaRPr lang="pt-BR" sz="800" dirty="0">
-              <a:ln w="0"/>
-              <a:solidFill>
-                <a:schemeClr val="tx1"/>
-              </a:solidFill>
-              <a:effectLst>
-                <a:outerShdw blurRad="38100" dist="19050" dir="2700000" algn="tl" rotWithShape="0">
-                  <a:schemeClr val="dk1">
-                    <a:alpha val="40000"/>
-                  </a:schemeClr>
-                </a:outerShdw>
-              </a:effectLst>
-            </a:endParaRPr>
-          </a:p>
-        </p:txBody>
-      </p:sp>
-      <p:cxnSp>
-        <p:nvCxnSpPr>
-          <p:cNvPr id="22" name="Conector reto 21"/>
-          <p:cNvCxnSpPr>
-            <a:stCxn id="11" idx="2"/>
-            <a:endCxn id="15" idx="0"/>
-          </p:cNvCxnSpPr>
-          <p:nvPr/>
-        </p:nvCxnSpPr>
-        <p:spPr>
-          <a:xfrm rot="5400000">
-            <a:off x="3450941" y="-201953"/>
-            <a:ext cx="326880" cy="4086221"/>
-          </a:xfrm>
-          <a:prstGeom prst="bentConnector3">
-            <a:avLst>
-              <a:gd name="adj1" fmla="val 50000"/>
-            </a:avLst>
-          </a:prstGeom>
-        </p:spPr>
-        <p:style>
-          <a:lnRef idx="1">
-            <a:schemeClr val="accent1"/>
-          </a:lnRef>
-          <a:fillRef idx="0">
-            <a:schemeClr val="accent1"/>
-          </a:fillRef>
-          <a:effectRef idx="0">
-            <a:schemeClr val="accent1"/>
-          </a:effectRef>
-          <a:fontRef idx="minor">
-            <a:schemeClr val="tx1"/>
-          </a:fontRef>
-        </p:style>
-      </p:cxnSp>
-      <p:cxnSp>
-        <p:nvCxnSpPr>
-          <p:cNvPr id="28" name="Conector reto 27"/>
-          <p:cNvCxnSpPr/>
-          <p:nvPr/>
-        </p:nvCxnSpPr>
-        <p:spPr>
-          <a:xfrm flipH="1">
-            <a:off x="1509098" y="2617245"/>
-            <a:ext cx="4313" cy="315840"/>
-          </a:xfrm>
-          <a:prstGeom prst="line">
-            <a:avLst/>
-          </a:prstGeom>
-        </p:spPr>
-        <p:style>
-          <a:lnRef idx="1">
-            <a:schemeClr val="accent1"/>
-          </a:lnRef>
-          <a:fillRef idx="0">
-            <a:schemeClr val="accent1"/>
-          </a:fillRef>
-          <a:effectRef idx="0">
-            <a:schemeClr val="accent1"/>
-          </a:effectRef>
-          <a:fontRef idx="minor">
-            <a:schemeClr val="tx1"/>
-          </a:fontRef>
-        </p:style>
-      </p:cxnSp>
-      <p:cxnSp>
-        <p:nvCxnSpPr>
-          <p:cNvPr id="29" name="Conector reto 28"/>
-          <p:cNvCxnSpPr/>
-          <p:nvPr/>
-        </p:nvCxnSpPr>
-        <p:spPr>
-          <a:xfrm flipH="1">
-            <a:off x="1515568" y="3555372"/>
-            <a:ext cx="4313" cy="315840"/>
-          </a:xfrm>
-          <a:prstGeom prst="line">
-            <a:avLst/>
-          </a:prstGeom>
-        </p:spPr>
-        <p:style>
-          <a:lnRef idx="1">
-            <a:schemeClr val="accent1"/>
-          </a:lnRef>
-          <a:fillRef idx="0">
-            <a:schemeClr val="accent1"/>
-          </a:fillRef>
-          <a:effectRef idx="0">
-            <a:schemeClr val="accent1"/>
-          </a:effectRef>
-          <a:fontRef idx="minor">
-            <a:schemeClr val="tx1"/>
-          </a:fontRef>
-        </p:style>
-      </p:cxnSp>
-      <p:cxnSp>
-        <p:nvCxnSpPr>
-          <p:cNvPr id="32" name="Conector em curva 31"/>
-          <p:cNvCxnSpPr/>
-          <p:nvPr/>
-        </p:nvCxnSpPr>
-        <p:spPr>
-          <a:xfrm>
-            <a:off x="2084172" y="2309624"/>
-            <a:ext cx="280086" cy="277699"/>
-          </a:xfrm>
-          <a:prstGeom prst="curvedConnector3">
-            <a:avLst/>
-          </a:prstGeom>
-        </p:spPr>
-        <p:style>
-          <a:lnRef idx="1">
-            <a:schemeClr val="accent1"/>
-          </a:lnRef>
-          <a:fillRef idx="0">
-            <a:schemeClr val="accent1"/>
-          </a:fillRef>
-          <a:effectRef idx="0">
-            <a:schemeClr val="accent1"/>
-          </a:effectRef>
-          <a:fontRef idx="minor">
-            <a:schemeClr val="tx1"/>
-          </a:fontRef>
-        </p:style>
-      </p:cxnSp>
-      <p:cxnSp>
-        <p:nvCxnSpPr>
-          <p:cNvPr id="34" name="Conector em curva 33"/>
-          <p:cNvCxnSpPr/>
-          <p:nvPr/>
-        </p:nvCxnSpPr>
-        <p:spPr>
-          <a:xfrm>
-            <a:off x="2075547" y="3217829"/>
-            <a:ext cx="280086" cy="277699"/>
-          </a:xfrm>
-          <a:prstGeom prst="curvedConnector3">
-            <a:avLst/>
-          </a:prstGeom>
-        </p:spPr>
-        <p:style>
-          <a:lnRef idx="1">
-            <a:schemeClr val="accent1"/>
-          </a:lnRef>
-          <a:fillRef idx="0">
-            <a:schemeClr val="accent1"/>
-          </a:fillRef>
-          <a:effectRef idx="0">
-            <a:schemeClr val="accent1"/>
-          </a:effectRef>
-          <a:fontRef idx="minor">
-            <a:schemeClr val="tx1"/>
-          </a:fontRef>
-        </p:style>
-      </p:cxnSp>
-      <p:cxnSp>
-        <p:nvCxnSpPr>
-          <p:cNvPr id="35" name="Conector em curva 34"/>
-          <p:cNvCxnSpPr/>
-          <p:nvPr/>
-        </p:nvCxnSpPr>
-        <p:spPr>
-          <a:xfrm>
-            <a:off x="2084172" y="4126034"/>
-            <a:ext cx="280086" cy="277699"/>
-          </a:xfrm>
-          <a:prstGeom prst="curvedConnector3">
-            <a:avLst/>
-          </a:prstGeom>
-        </p:spPr>
-        <p:style>
-          <a:lnRef idx="1">
-            <a:schemeClr val="accent1"/>
-          </a:lnRef>
-          <a:fillRef idx="0">
-            <a:schemeClr val="accent1"/>
-          </a:fillRef>
-          <a:effectRef idx="0">
-            <a:schemeClr val="accent1"/>
-          </a:effectRef>
-          <a:fontRef idx="minor">
-            <a:schemeClr val="tx1"/>
-          </a:fontRef>
-        </p:style>
-      </p:cxnSp>
-      <p:sp>
-        <p:nvSpPr>
-          <p:cNvPr id="37" name="Fluxograma: Documento 36"/>
-          <p:cNvSpPr/>
-          <p:nvPr/>
-        </p:nvSpPr>
-        <p:spPr>
-          <a:xfrm>
-            <a:off x="2377644" y="2305654"/>
-            <a:ext cx="914400" cy="612648"/>
-          </a:xfrm>
-          <a:prstGeom prst="flowChartDocument">
-            <a:avLst/>
-          </a:prstGeom>
-        </p:spPr>
-        <p:style>
-          <a:lnRef idx="2">
-            <a:schemeClr val="accent1">
-              <a:shade val="50000"/>
-            </a:schemeClr>
-          </a:lnRef>
-          <a:fillRef idx="1">
-            <a:schemeClr val="accent1"/>
-          </a:fillRef>
-          <a:effectRef idx="0">
-            <a:schemeClr val="accent1"/>
-          </a:effectRef>
-          <a:fontRef idx="minor">
-            <a:schemeClr val="lt1"/>
-          </a:fontRef>
-        </p:style>
-        <p:txBody>
-          <a:bodyPr rtlCol="0" anchor="ctr"/>
-          <a:lstStyle/>
-          <a:p>
-            <a:pPr algn="ctr"/>
-            <a:r>
-              <a:rPr lang="pt-BR" sz="800" dirty="0">
-                <a:ln w="0"/>
-                <a:solidFill>
-                  <a:schemeClr val="tx1"/>
-                </a:solidFill>
-                <a:effectLst>
-                  <a:outerShdw blurRad="38100" dist="19050" dir="2700000" algn="tl" rotWithShape="0">
-                    <a:schemeClr val="dk1">
-                      <a:alpha val="40000"/>
-                    </a:schemeClr>
-                  </a:outerShdw>
-                </a:effectLst>
-              </a:rPr>
-              <a:t>Avaliação dos resultados, sob a perspectiva de negócio</a:t>
+              <a:t>do negócio</a:t>
             </a:r>
             <a:endParaRPr lang="pt-BR" sz="800" dirty="0">
               <a:ln w="0"/>
@@ -3914,7 +3914,7 @@
         </p:nvSpPr>
         <p:spPr>
           <a:xfrm>
-            <a:off x="2377644" y="4124956"/>
+            <a:off x="2355633" y="4124956"/>
             <a:ext cx="914400" cy="612648"/>
           </a:xfrm>
           <a:prstGeom prst="flowChartDocument">
@@ -3982,7 +3982,7 @@
         </p:nvSpPr>
         <p:spPr>
           <a:xfrm>
-            <a:off x="2364258" y="3215305"/>
+            <a:off x="2355633" y="3217829"/>
             <a:ext cx="914400" cy="612648"/>
           </a:xfrm>
           <a:prstGeom prst="flowChartDocument">
@@ -4118,7 +4118,7 @@
         </p:nvCxnSpPr>
         <p:spPr>
           <a:xfrm>
-            <a:off x="3292044" y="2587323"/>
+            <a:off x="3283806" y="2587323"/>
             <a:ext cx="230660" cy="0"/>
           </a:xfrm>
           <a:prstGeom prst="line">
@@ -4148,7 +4148,7 @@
         </p:nvCxnSpPr>
         <p:spPr>
           <a:xfrm>
-            <a:off x="3292044" y="4394555"/>
+            <a:off x="3267330" y="4394555"/>
             <a:ext cx="230660" cy="0"/>
           </a:xfrm>
           <a:prstGeom prst="line">
